--- a/docs/songs/show your power.pptx
+++ b/docs/songs/show your power.pptx
@@ -309,7 +309,7 @@
             <a:fld id="{26EA1CF3-4A15-4CBF-9A5A-6A56C368BE71}" type="datetimeFigureOut">
               <a:rPr lang="en-GB" smtClean="0"/>
               <a:pPr/>
-              <a:t>03/10/2022</a:t>
+              <a:t>17/06/2024</a:t>
             </a:fld>
             <a:endParaRPr lang="en-GB"/>
           </a:p>
@@ -476,7 +476,7 @@
             <a:fld id="{26EA1CF3-4A15-4CBF-9A5A-6A56C368BE71}" type="datetimeFigureOut">
               <a:rPr lang="en-GB" smtClean="0"/>
               <a:pPr/>
-              <a:t>03/10/2022</a:t>
+              <a:t>17/06/2024</a:t>
             </a:fld>
             <a:endParaRPr lang="en-GB"/>
           </a:p>
@@ -653,7 +653,7 @@
             <a:fld id="{26EA1CF3-4A15-4CBF-9A5A-6A56C368BE71}" type="datetimeFigureOut">
               <a:rPr lang="en-GB" smtClean="0"/>
               <a:pPr/>
-              <a:t>03/10/2022</a:t>
+              <a:t>17/06/2024</a:t>
             </a:fld>
             <a:endParaRPr lang="en-GB"/>
           </a:p>
@@ -820,7 +820,7 @@
             <a:fld id="{26EA1CF3-4A15-4CBF-9A5A-6A56C368BE71}" type="datetimeFigureOut">
               <a:rPr lang="en-GB" smtClean="0"/>
               <a:pPr/>
-              <a:t>03/10/2022</a:t>
+              <a:t>17/06/2024</a:t>
             </a:fld>
             <a:endParaRPr lang="en-GB"/>
           </a:p>
@@ -1063,7 +1063,7 @@
             <a:fld id="{26EA1CF3-4A15-4CBF-9A5A-6A56C368BE71}" type="datetimeFigureOut">
               <a:rPr lang="en-GB" smtClean="0"/>
               <a:pPr/>
-              <a:t>03/10/2022</a:t>
+              <a:t>17/06/2024</a:t>
             </a:fld>
             <a:endParaRPr lang="en-GB"/>
           </a:p>
@@ -1348,7 +1348,7 @@
             <a:fld id="{26EA1CF3-4A15-4CBF-9A5A-6A56C368BE71}" type="datetimeFigureOut">
               <a:rPr lang="en-GB" smtClean="0"/>
               <a:pPr/>
-              <a:t>03/10/2022</a:t>
+              <a:t>17/06/2024</a:t>
             </a:fld>
             <a:endParaRPr lang="en-GB"/>
           </a:p>
@@ -1767,7 +1767,7 @@
             <a:fld id="{26EA1CF3-4A15-4CBF-9A5A-6A56C368BE71}" type="datetimeFigureOut">
               <a:rPr lang="en-GB" smtClean="0"/>
               <a:pPr/>
-              <a:t>03/10/2022</a:t>
+              <a:t>17/06/2024</a:t>
             </a:fld>
             <a:endParaRPr lang="en-GB"/>
           </a:p>
@@ -1882,7 +1882,7 @@
             <a:fld id="{26EA1CF3-4A15-4CBF-9A5A-6A56C368BE71}" type="datetimeFigureOut">
               <a:rPr lang="en-GB" smtClean="0"/>
               <a:pPr/>
-              <a:t>03/10/2022</a:t>
+              <a:t>17/06/2024</a:t>
             </a:fld>
             <a:endParaRPr lang="en-GB"/>
           </a:p>
@@ -1974,7 +1974,7 @@
             <a:fld id="{26EA1CF3-4A15-4CBF-9A5A-6A56C368BE71}" type="datetimeFigureOut">
               <a:rPr lang="en-GB" smtClean="0"/>
               <a:pPr/>
-              <a:t>03/10/2022</a:t>
+              <a:t>17/06/2024</a:t>
             </a:fld>
             <a:endParaRPr lang="en-GB"/>
           </a:p>
@@ -2248,7 +2248,7 @@
             <a:fld id="{26EA1CF3-4A15-4CBF-9A5A-6A56C368BE71}" type="datetimeFigureOut">
               <a:rPr lang="en-GB" smtClean="0"/>
               <a:pPr/>
-              <a:t>03/10/2022</a:t>
+              <a:t>17/06/2024</a:t>
             </a:fld>
             <a:endParaRPr lang="en-GB"/>
           </a:p>
@@ -2498,7 +2498,7 @@
             <a:fld id="{26EA1CF3-4A15-4CBF-9A5A-6A56C368BE71}" type="datetimeFigureOut">
               <a:rPr lang="en-GB" smtClean="0"/>
               <a:pPr/>
-              <a:t>03/10/2022</a:t>
+              <a:t>17/06/2024</a:t>
             </a:fld>
             <a:endParaRPr lang="en-GB"/>
           </a:p>
@@ -2711,7 +2711,7 @@
             <a:fld id="{26EA1CF3-4A15-4CBF-9A5A-6A56C368BE71}" type="datetimeFigureOut">
               <a:rPr lang="en-GB" smtClean="0"/>
               <a:pPr/>
-              <a:t>03/10/2022</a:t>
+              <a:t>17/06/2024</a:t>
             </a:fld>
             <a:endParaRPr lang="en-GB"/>
           </a:p>
@@ -3279,7 +3279,7 @@
         </p:nvSpPr>
         <p:spPr>
           <a:xfrm>
-            <a:off x="323528" y="188640"/>
+            <a:off x="251520" y="692696"/>
             <a:ext cx="8640960" cy="6480720"/>
           </a:xfrm>
         </p:spPr>
@@ -3290,7 +3290,7 @@
           <a:lstStyle/>
           <a:p>
             <a:r>
-              <a:rPr lang="en-GB" sz="3900" dirty="0">
+              <a:rPr lang="en-GB" dirty="0">
                 <a:solidFill>
                   <a:schemeClr val="bg1"/>
                 </a:solidFill>
@@ -3300,7 +3300,7 @@
           </a:p>
           <a:p>
             <a:r>
-              <a:rPr lang="en-GB" sz="3900" dirty="0">
+              <a:rPr lang="en-GB" dirty="0">
                 <a:solidFill>
                   <a:schemeClr val="bg1"/>
                 </a:solidFill>
@@ -3310,7 +3310,7 @@
           </a:p>
           <a:p>
             <a:r>
-              <a:rPr lang="en-GB" sz="3900" dirty="0">
+              <a:rPr lang="en-GB" dirty="0">
                 <a:solidFill>
                   <a:schemeClr val="bg1"/>
                 </a:solidFill>
@@ -3320,7 +3320,7 @@
           </a:p>
           <a:p>
             <a:r>
-              <a:rPr lang="en-GB" sz="3900" dirty="0">
+              <a:rPr lang="en-GB" dirty="0">
                 <a:solidFill>
                   <a:schemeClr val="bg1"/>
                 </a:solidFill>
@@ -3330,7 +3330,7 @@
           </a:p>
           <a:p>
             <a:r>
-              <a:rPr lang="en-GB" sz="3900" dirty="0">
+              <a:rPr lang="en-GB" dirty="0">
                 <a:solidFill>
                   <a:schemeClr val="bg1"/>
                 </a:solidFill>
@@ -3340,7 +3340,7 @@
           </a:p>
           <a:p>
             <a:r>
-              <a:rPr lang="en-GB" sz="3900" dirty="0">
+              <a:rPr lang="en-GB" dirty="0">
                 <a:solidFill>
                   <a:schemeClr val="bg1"/>
                 </a:solidFill>
@@ -3350,7 +3350,7 @@
           </a:p>
           <a:p>
             <a:r>
-              <a:rPr lang="en-GB" sz="3900" dirty="0">
+              <a:rPr lang="en-GB" dirty="0">
                 <a:solidFill>
                   <a:schemeClr val="bg1"/>
                 </a:solidFill>
@@ -3360,7 +3360,7 @@
           </a:p>
           <a:p>
             <a:r>
-              <a:rPr lang="en-GB" sz="3900" dirty="0">
+              <a:rPr lang="en-GB" dirty="0">
                 <a:solidFill>
                   <a:schemeClr val="bg1"/>
                 </a:solidFill>
@@ -3445,7 +3445,7 @@
         </p:nvSpPr>
         <p:spPr>
           <a:xfrm>
-            <a:off x="323528" y="188640"/>
+            <a:off x="395536" y="764704"/>
             <a:ext cx="8640960" cy="6480720"/>
           </a:xfrm>
         </p:spPr>
@@ -3456,7 +3456,7 @@
           <a:lstStyle/>
           <a:p>
             <a:r>
-              <a:rPr lang="en-GB" sz="5400" dirty="0">
+              <a:rPr lang="en-GB" dirty="0">
                 <a:solidFill>
                   <a:schemeClr val="bg1"/>
                 </a:solidFill>
@@ -3466,7 +3466,7 @@
           </a:p>
           <a:p>
             <a:r>
-              <a:rPr lang="en-GB" sz="5400" dirty="0">
+              <a:rPr lang="en-GB" dirty="0">
                 <a:solidFill>
                   <a:schemeClr val="bg1"/>
                 </a:solidFill>
@@ -3476,7 +3476,7 @@
           </a:p>
           <a:p>
             <a:r>
-              <a:rPr lang="en-GB" sz="5400" dirty="0">
+              <a:rPr lang="en-GB" dirty="0">
                 <a:solidFill>
                   <a:schemeClr val="bg1"/>
                 </a:solidFill>
@@ -3561,7 +3561,7 @@
         </p:nvSpPr>
         <p:spPr>
           <a:xfrm>
-            <a:off x="323528" y="0"/>
+            <a:off x="251520" y="692696"/>
             <a:ext cx="8640960" cy="6669360"/>
           </a:xfrm>
         </p:spPr>
@@ -3572,7 +3572,7 @@
           <a:lstStyle/>
           <a:p>
             <a:r>
-              <a:rPr lang="en-GB" sz="3900" dirty="0">
+              <a:rPr lang="en-GB" dirty="0">
                 <a:solidFill>
                   <a:schemeClr val="bg1"/>
                 </a:solidFill>
@@ -3582,7 +3582,7 @@
           </a:p>
           <a:p>
             <a:r>
-              <a:rPr lang="en-GB" sz="3900" dirty="0">
+              <a:rPr lang="en-GB" dirty="0">
                 <a:solidFill>
                   <a:schemeClr val="bg1"/>
                 </a:solidFill>
@@ -3592,7 +3592,7 @@
           </a:p>
           <a:p>
             <a:r>
-              <a:rPr lang="en-GB" sz="3900" dirty="0">
+              <a:rPr lang="en-GB" dirty="0">
                 <a:solidFill>
                   <a:schemeClr val="bg1"/>
                 </a:solidFill>
@@ -3602,7 +3602,7 @@
           </a:p>
           <a:p>
             <a:r>
-              <a:rPr lang="en-GB" sz="3900" dirty="0">
+              <a:rPr lang="en-GB" dirty="0">
                 <a:solidFill>
                   <a:schemeClr val="bg1"/>
                 </a:solidFill>
@@ -3612,7 +3612,7 @@
           </a:p>
           <a:p>
             <a:r>
-              <a:rPr lang="en-GB" sz="3900" dirty="0">
+              <a:rPr lang="en-GB" dirty="0">
                 <a:solidFill>
                   <a:schemeClr val="bg1"/>
                 </a:solidFill>
@@ -3622,7 +3622,7 @@
           </a:p>
           <a:p>
             <a:r>
-              <a:rPr lang="en-GB" sz="3900" dirty="0">
+              <a:rPr lang="en-GB" dirty="0">
                 <a:solidFill>
                   <a:schemeClr val="bg1"/>
                 </a:solidFill>
@@ -3632,7 +3632,7 @@
           </a:p>
           <a:p>
             <a:r>
-              <a:rPr lang="en-GB" sz="3900" dirty="0">
+              <a:rPr lang="en-GB" dirty="0">
                 <a:solidFill>
                   <a:schemeClr val="bg1"/>
                 </a:solidFill>
@@ -3642,7 +3642,7 @@
           </a:p>
           <a:p>
             <a:r>
-              <a:rPr lang="en-GB" sz="3900" dirty="0">
+              <a:rPr lang="en-GB" dirty="0">
                 <a:solidFill>
                   <a:schemeClr val="bg1"/>
                 </a:solidFill>
@@ -3727,7 +3727,7 @@
         </p:nvSpPr>
         <p:spPr>
           <a:xfrm>
-            <a:off x="323528" y="188640"/>
+            <a:off x="172226" y="692696"/>
             <a:ext cx="8640960" cy="6480720"/>
           </a:xfrm>
         </p:spPr>
@@ -3738,7 +3738,7 @@
           <a:lstStyle/>
           <a:p>
             <a:r>
-              <a:rPr lang="en-GB" sz="5400" dirty="0">
+              <a:rPr lang="en-GB" dirty="0">
                 <a:solidFill>
                   <a:schemeClr val="bg1"/>
                 </a:solidFill>
@@ -3748,7 +3748,7 @@
           </a:p>
           <a:p>
             <a:r>
-              <a:rPr lang="en-GB" sz="5400" dirty="0">
+              <a:rPr lang="en-GB" dirty="0">
                 <a:solidFill>
                   <a:schemeClr val="bg1"/>
                 </a:solidFill>
@@ -3758,7 +3758,7 @@
           </a:p>
           <a:p>
             <a:r>
-              <a:rPr lang="en-GB" sz="5400" dirty="0">
+              <a:rPr lang="en-GB" dirty="0">
                 <a:solidFill>
                   <a:schemeClr val="bg1"/>
                 </a:solidFill>
